--- a/docs/diagrams/TabSequenceDiagram.pptx
+++ b/docs/diagrams/TabSequenceDiagram.pptx
@@ -7429,7 +7429,7 @@
         <p:spPr>
           <a:xfrm>
             <a:off x="642831" y="3168788"/>
-            <a:ext cx="3776769" cy="1340033"/>
+            <a:ext cx="7685034" cy="1340033"/>
           </a:xfrm>
           <a:prstGeom prst="rect">
             <a:avLst/>

--- a/docs/diagrams/TabSequenceDiagram.pptx
+++ b/docs/diagrams/TabSequenceDiagram.pptx
@@ -8556,6 +8556,144 @@
           </a:p>
         </p:txBody>
       </p:sp>
+      <p:cxnSp>
+        <p:nvCxnSpPr>
+          <p:cNvPr id="56" name="Straight Arrow Connector 55">
+            <a:extLst>
+              <a:ext uri="{FF2B5EF4-FFF2-40B4-BE49-F238E27FC236}">
+                <a16:creationId xmlns:a16="http://schemas.microsoft.com/office/drawing/2014/main" id="{6E7BCF6B-AA62-4633-9826-C47207B28C85}"/>
+              </a:ext>
+            </a:extLst>
+          </p:cNvPr>
+          <p:cNvCxnSpPr>
+            <a:cxnSpLocks/>
+          </p:cNvCxnSpPr>
+          <p:nvPr/>
+        </p:nvCxnSpPr>
+        <p:spPr>
+          <a:xfrm>
+            <a:off x="-762000" y="2411545"/>
+            <a:ext cx="1958051" cy="0"/>
+          </a:xfrm>
+          <a:prstGeom prst="straightConnector1">
+            <a:avLst/>
+          </a:prstGeom>
+          <a:ln w="19050">
+            <a:solidFill>
+              <a:srgbClr val="00B050"/>
+            </a:solidFill>
+            <a:tailEnd type="arrow"/>
+          </a:ln>
+        </p:spPr>
+        <p:style>
+          <a:lnRef idx="1">
+            <a:schemeClr val="accent1"/>
+          </a:lnRef>
+          <a:fillRef idx="0">
+            <a:schemeClr val="accent1"/>
+          </a:fillRef>
+          <a:effectRef idx="0">
+            <a:schemeClr val="accent1"/>
+          </a:effectRef>
+          <a:fontRef idx="minor">
+            <a:schemeClr val="tx1"/>
+          </a:fontRef>
+        </p:style>
+      </p:cxnSp>
+      <p:sp>
+        <p:nvSpPr>
+          <p:cNvPr id="57" name="TextBox 56">
+            <a:extLst>
+              <a:ext uri="{FF2B5EF4-FFF2-40B4-BE49-F238E27FC236}">
+                <a16:creationId xmlns:a16="http://schemas.microsoft.com/office/drawing/2014/main" id="{60043C15-E6BD-41D3-8408-F1EC2DE6F5BA}"/>
+              </a:ext>
+            </a:extLst>
+          </p:cNvPr>
+          <p:cNvSpPr txBox="1"/>
+          <p:nvPr/>
+        </p:nvSpPr>
+        <p:spPr>
+          <a:xfrm>
+            <a:off x="-693487" y="2181266"/>
+            <a:ext cx="1344258" cy="184666"/>
+          </a:xfrm>
+          <a:prstGeom prst="rect">
+            <a:avLst/>
+          </a:prstGeom>
+          <a:noFill/>
+        </p:spPr>
+        <p:txBody>
+          <a:bodyPr wrap="square" lIns="0" tIns="0" rIns="0" bIns="0" rtlCol="0">
+            <a:spAutoFit/>
+          </a:bodyPr>
+          <a:lstStyle/>
+          <a:p>
+            <a:pPr algn="ctr"/>
+            <a:r>
+              <a:rPr lang="en-US" sz="1200" dirty="0" err="1">
+                <a:solidFill>
+                  <a:srgbClr val="00B050"/>
+                </a:solidFill>
+              </a:rPr>
+              <a:t>handleKeyPress</a:t>
+            </a:r>
+            <a:r>
+              <a:rPr lang="en-US" sz="1200" dirty="0">
+                <a:solidFill>
+                  <a:srgbClr val="00B050"/>
+                </a:solidFill>
+              </a:rPr>
+              <a:t>(TAB)</a:t>
+            </a:r>
+          </a:p>
+        </p:txBody>
+      </p:sp>
+      <p:cxnSp>
+        <p:nvCxnSpPr>
+          <p:cNvPr id="59" name="Straight Arrow Connector 58">
+            <a:extLst>
+              <a:ext uri="{FF2B5EF4-FFF2-40B4-BE49-F238E27FC236}">
+                <a16:creationId xmlns:a16="http://schemas.microsoft.com/office/drawing/2014/main" id="{4B7DD94B-FF40-411A-AC29-35D522E28CC1}"/>
+              </a:ext>
+            </a:extLst>
+          </p:cNvPr>
+          <p:cNvCxnSpPr>
+            <a:cxnSpLocks/>
+          </p:cNvCxnSpPr>
+          <p:nvPr/>
+        </p:nvCxnSpPr>
+        <p:spPr>
+          <a:xfrm>
+            <a:off x="-533400" y="6398768"/>
+            <a:ext cx="1729451" cy="0"/>
+          </a:xfrm>
+          <a:prstGeom prst="straightConnector1">
+            <a:avLst/>
+          </a:prstGeom>
+          <a:ln w="19050">
+            <a:solidFill>
+              <a:srgbClr val="00B050"/>
+            </a:solidFill>
+            <a:prstDash val="sysDash"/>
+            <a:headEnd type="arrow" w="med" len="med"/>
+            <a:tailEnd type="none" w="med" len="med"/>
+          </a:ln>
+        </p:spPr>
+        <p:style>
+          <a:lnRef idx="1">
+            <a:schemeClr val="accent1"/>
+          </a:lnRef>
+          <a:fillRef idx="0">
+            <a:schemeClr val="accent1"/>
+          </a:fillRef>
+          <a:effectRef idx="0">
+            <a:schemeClr val="accent1"/>
+          </a:effectRef>
+          <a:fontRef idx="minor">
+            <a:schemeClr val="tx1"/>
+          </a:fontRef>
+        </p:style>
+      </p:cxnSp>
     </p:spTree>
     <p:extLst>
       <p:ext uri="{BB962C8B-B14F-4D97-AF65-F5344CB8AC3E}">

--- a/docs/diagrams/TabSequenceDiagram.pptx
+++ b/docs/diagrams/TabSequenceDiagram.pptx
@@ -6987,7 +6987,7 @@
         </p:nvSpPr>
         <p:spPr>
           <a:xfrm>
-            <a:off x="5769416" y="3497853"/>
+            <a:off x="5721993" y="3734374"/>
             <a:ext cx="1062123" cy="369332"/>
           </a:xfrm>
           <a:prstGeom prst="rect">
@@ -7156,7 +7156,7 @@
         </p:nvSpPr>
         <p:spPr>
           <a:xfrm>
-            <a:off x="4448771" y="3365241"/>
+            <a:off x="4401395" y="3612697"/>
             <a:ext cx="1062123" cy="369332"/>
           </a:xfrm>
           <a:prstGeom prst="rect">
@@ -7574,9 +7574,9 @@
           <p:nvPr/>
         </p:nvCxnSpPr>
         <p:spPr>
-          <a:xfrm>
-            <a:off x="642831" y="3605153"/>
-            <a:ext cx="3776769" cy="0"/>
+          <a:xfrm flipV="1">
+            <a:off x="642831" y="3597610"/>
+            <a:ext cx="7685034" cy="7543"/>
           </a:xfrm>
           <a:prstGeom prst="line">
             <a:avLst/>
